--- a/28P650.pptx
+++ b/28P650.pptx
@@ -7,9 +7,10 @@
   <p:sldIdLst>
     <p:sldId id="256" r:id="rId2"/>
     <p:sldId id="257" r:id="rId3"/>
-    <p:sldId id="258" r:id="rId4"/>
-    <p:sldId id="259" r:id="rId5"/>
-    <p:sldId id="260" r:id="rId6"/>
+    <p:sldId id="261" r:id="rId4"/>
+    <p:sldId id="258" r:id="rId5"/>
+    <p:sldId id="259" r:id="rId6"/>
+    <p:sldId id="260" r:id="rId7"/>
   </p:sldIdLst>
   <p:sldSz cx="12192000" cy="6858000"/>
   <p:notesSz cx="6858000" cy="9144000"/>
@@ -108,6 +109,11 @@
       </a:defRPr>
     </a:lvl9pPr>
   </p:defaultTextStyle>
+  <p:extLst>
+    <p:ext uri="{EFAFB233-063F-42B5-8137-9DF3F51BA10A}">
+      <p15:sldGuideLst xmlns:p15="http://schemas.microsoft.com/office/powerpoint/2012/main"/>
+    </p:ext>
+  </p:extLst>
 </p:presentation>
 </file>
 
@@ -258,7 +264,7 @@
           <a:p>
             <a:fld id="{F4A41FF1-7F23-44FA-B0C2-5669382EB13F}" type="datetimeFigureOut">
               <a:rPr lang="en-US" smtClean="0"/>
-              <a:t>5/4/2025</a:t>
+              <a:t>5/11/2025</a:t>
             </a:fld>
             <a:endParaRPr lang="en-US"/>
           </a:p>
@@ -456,7 +462,7 @@
           <a:p>
             <a:fld id="{F4A41FF1-7F23-44FA-B0C2-5669382EB13F}" type="datetimeFigureOut">
               <a:rPr lang="en-US" smtClean="0"/>
-              <a:t>5/4/2025</a:t>
+              <a:t>5/11/2025</a:t>
             </a:fld>
             <a:endParaRPr lang="en-US"/>
           </a:p>
@@ -664,7 +670,7 @@
           <a:p>
             <a:fld id="{F4A41FF1-7F23-44FA-B0C2-5669382EB13F}" type="datetimeFigureOut">
               <a:rPr lang="en-US" smtClean="0"/>
-              <a:t>5/4/2025</a:t>
+              <a:t>5/11/2025</a:t>
             </a:fld>
             <a:endParaRPr lang="en-US"/>
           </a:p>
@@ -862,7 +868,7 @@
           <a:p>
             <a:fld id="{F4A41FF1-7F23-44FA-B0C2-5669382EB13F}" type="datetimeFigureOut">
               <a:rPr lang="en-US" smtClean="0"/>
-              <a:t>5/4/2025</a:t>
+              <a:t>5/11/2025</a:t>
             </a:fld>
             <a:endParaRPr lang="en-US"/>
           </a:p>
@@ -1137,7 +1143,7 @@
           <a:p>
             <a:fld id="{F4A41FF1-7F23-44FA-B0C2-5669382EB13F}" type="datetimeFigureOut">
               <a:rPr lang="en-US" smtClean="0"/>
-              <a:t>5/4/2025</a:t>
+              <a:t>5/11/2025</a:t>
             </a:fld>
             <a:endParaRPr lang="en-US"/>
           </a:p>
@@ -1402,7 +1408,7 @@
           <a:p>
             <a:fld id="{F4A41FF1-7F23-44FA-B0C2-5669382EB13F}" type="datetimeFigureOut">
               <a:rPr lang="en-US" smtClean="0"/>
-              <a:t>5/4/2025</a:t>
+              <a:t>5/11/2025</a:t>
             </a:fld>
             <a:endParaRPr lang="en-US"/>
           </a:p>
@@ -1814,7 +1820,7 @@
           <a:p>
             <a:fld id="{F4A41FF1-7F23-44FA-B0C2-5669382EB13F}" type="datetimeFigureOut">
               <a:rPr lang="en-US" smtClean="0"/>
-              <a:t>5/4/2025</a:t>
+              <a:t>5/11/2025</a:t>
             </a:fld>
             <a:endParaRPr lang="en-US"/>
           </a:p>
@@ -1955,7 +1961,7 @@
           <a:p>
             <a:fld id="{F4A41FF1-7F23-44FA-B0C2-5669382EB13F}" type="datetimeFigureOut">
               <a:rPr lang="en-US" smtClean="0"/>
-              <a:t>5/4/2025</a:t>
+              <a:t>5/11/2025</a:t>
             </a:fld>
             <a:endParaRPr lang="en-US"/>
           </a:p>
@@ -2068,7 +2074,7 @@
           <a:p>
             <a:fld id="{F4A41FF1-7F23-44FA-B0C2-5669382EB13F}" type="datetimeFigureOut">
               <a:rPr lang="en-US" smtClean="0"/>
-              <a:t>5/4/2025</a:t>
+              <a:t>5/11/2025</a:t>
             </a:fld>
             <a:endParaRPr lang="en-US"/>
           </a:p>
@@ -2379,7 +2385,7 @@
           <a:p>
             <a:fld id="{F4A41FF1-7F23-44FA-B0C2-5669382EB13F}" type="datetimeFigureOut">
               <a:rPr lang="en-US" smtClean="0"/>
-              <a:t>5/4/2025</a:t>
+              <a:t>5/11/2025</a:t>
             </a:fld>
             <a:endParaRPr lang="en-US"/>
           </a:p>
@@ -2667,7 +2673,7 @@
           <a:p>
             <a:fld id="{F4A41FF1-7F23-44FA-B0C2-5669382EB13F}" type="datetimeFigureOut">
               <a:rPr lang="en-US" smtClean="0"/>
-              <a:t>5/4/2025</a:t>
+              <a:t>5/11/2025</a:t>
             </a:fld>
             <a:endParaRPr lang="en-US"/>
           </a:p>
@@ -2908,7 +2914,7 @@
           <a:p>
             <a:fld id="{F4A41FF1-7F23-44FA-B0C2-5669382EB13F}" type="datetimeFigureOut">
               <a:rPr lang="en-US" smtClean="0"/>
-              <a:t>5/4/2025</a:t>
+              <a:t>5/11/2025</a:t>
             </a:fld>
             <a:endParaRPr lang="en-US"/>
           </a:p>
@@ -3455,7 +3461,7 @@
         <p:spPr/>
         <p:txBody>
           <a:bodyPr>
-            <a:normAutofit fontScale="85000" lnSpcReduction="20000"/>
+            <a:normAutofit fontScale="92500" lnSpcReduction="20000"/>
           </a:bodyPr>
           <a:lstStyle/>
           <a:p>
@@ -3467,27 +3473,17 @@
           <a:p>
             <a:r>
               <a:rPr lang="en-US" dirty="0"/>
-              <a:t>20 Years flash retention at 85deg, 100000 erase cycles at room temp. (10000 at 125deg) </a:t>
-            </a:r>
-          </a:p>
-          <a:p>
+              <a:t>20 Years flash retention at 85deg, 100000 erase cycles at room temp. (10000 at 125deg)</a:t>
+            </a:r>
+          </a:p>
+          <a:p>
+            <a:r>
+              <a:rPr lang="en-US" dirty="0" err="1"/>
+              <a:t>EtherCAT</a:t>
+            </a:r>
             <a:r>
               <a:rPr lang="en-US" dirty="0"/>
-              <a:t>Change flash setting in .</a:t>
-            </a:r>
-            <a:r>
-              <a:rPr lang="en-US" dirty="0" err="1"/>
-              <a:t>cmd</a:t>
-            </a:r>
-            <a:r>
-              <a:rPr lang="en-US" dirty="0"/>
-              <a:t> to ALIGN(64) – They come ALIGN(8) </a:t>
-            </a:r>
-          </a:p>
-          <a:p>
-            <a:r>
-              <a:rPr lang="en-US" dirty="0"/>
-              <a:t>Re-writing line (adding zeros) without erasure will kill the flash</a:t>
+              <a:t> , MCAN built in CPU</a:t>
             </a:r>
           </a:p>
           <a:p>
@@ -3499,14 +3495,19 @@
           <a:p>
             <a:r>
               <a:rPr lang="en-US" dirty="0"/>
-              <a:t>PREAD loops are inefficient, data within instruction (e.g. MAC) is inefficient </a:t>
+              <a:t>200MHz PWM</a:t>
             </a:r>
           </a:p>
           <a:p>
             <a:r>
               <a:rPr lang="en-US" dirty="0"/>
-              <a:t>200MHz PWM</a:t>
-            </a:r>
+              <a:t>DMA region for CLA (</a:t>
+            </a:r>
+            <a:r>
+              <a:rPr lang="en-US"/>
+              <a:t>was also in 003x) </a:t>
+            </a:r>
+            <a:endParaRPr lang="en-US" dirty="0"/>
           </a:p>
           <a:p>
             <a:r>
@@ -3574,7 +3575,7 @@
           <p:cNvPr id="2" name="Title 1">
             <a:extLst>
               <a:ext uri="{FF2B5EF4-FFF2-40B4-BE49-F238E27FC236}">
-                <a16:creationId xmlns:a16="http://schemas.microsoft.com/office/drawing/2014/main" id="{BEB0827A-C669-F602-B581-D052D2F349CC}"/>
+                <a16:creationId xmlns:a16="http://schemas.microsoft.com/office/drawing/2014/main" id="{DC2394C2-B7F0-80FD-9CC3-C8BE3D944999}"/>
               </a:ext>
             </a:extLst>
           </p:cNvPr>
@@ -3592,7 +3593,7 @@
           <a:p>
             <a:r>
               <a:rPr lang="en-US" dirty="0"/>
-              <a:t>Fletcher code</a:t>
+              <a:t>Caveat </a:t>
             </a:r>
           </a:p>
         </p:txBody>
@@ -3602,7 +3603,7 @@
           <p:cNvPr id="3" name="Content Placeholder 2">
             <a:extLst>
               <a:ext uri="{FF2B5EF4-FFF2-40B4-BE49-F238E27FC236}">
-                <a16:creationId xmlns:a16="http://schemas.microsoft.com/office/drawing/2014/main" id="{937A2650-3F03-713F-A4BE-CBD4BC0C553E}"/>
+                <a16:creationId xmlns:a16="http://schemas.microsoft.com/office/drawing/2014/main" id="{D60C7947-E93C-2A23-0586-8BE5A2149D67}"/>
               </a:ext>
             </a:extLst>
           </p:cNvPr>
@@ -3620,21 +3621,56 @@
           <a:p>
             <a:r>
               <a:rPr lang="en-US" dirty="0"/>
-              <a:t>Double integral </a:t>
+              <a:t>Peripheral bases (e.g. CAN controller) changed</a:t>
             </a:r>
           </a:p>
           <a:p>
             <a:r>
               <a:rPr lang="en-US" dirty="0"/>
-              <a:t>Detects swaps and cancelling errors</a:t>
-            </a:r>
+              <a:t>Tricky memory management: memories are not ordered as expected</a:t>
+            </a:r>
+          </a:p>
+          <a:p>
+            <a:r>
+              <a:rPr lang="en-US" dirty="0"/>
+              <a:t>Tricky CLA program memory </a:t>
+            </a:r>
+          </a:p>
+          <a:p>
+            <a:r>
+              <a:rPr lang="en-US" dirty="0"/>
+              <a:t>Change flash setting in .</a:t>
+            </a:r>
+            <a:r>
+              <a:rPr lang="en-US" dirty="0" err="1"/>
+              <a:t>cmd</a:t>
+            </a:r>
+            <a:r>
+              <a:rPr lang="en-US" dirty="0"/>
+              <a:t> to ALIGN(64) – They come ALIGN(8) </a:t>
+            </a:r>
+          </a:p>
+          <a:p>
+            <a:r>
+              <a:rPr lang="en-US" dirty="0"/>
+              <a:t>Re-writing line (adding zeros) without erasure will kill the flash</a:t>
+            </a:r>
+          </a:p>
+          <a:p>
+            <a:r>
+              <a:rPr lang="en-US" dirty="0"/>
+              <a:t>PREAD loops are inefficient, data within instruction (e.g. MAC) is inefficient </a:t>
+            </a:r>
+          </a:p>
+          <a:p>
+            <a:endParaRPr lang="en-US" dirty="0"/>
           </a:p>
         </p:txBody>
       </p:sp>
     </p:spTree>
     <p:extLst>
       <p:ext uri="{BB962C8B-B14F-4D97-AF65-F5344CB8AC3E}">
-        <p14:creationId xmlns:p14="http://schemas.microsoft.com/office/powerpoint/2010/main" val="4159399829"/>
+        <p14:creationId xmlns:p14="http://schemas.microsoft.com/office/powerpoint/2010/main" val="1699889664"/>
       </p:ext>
     </p:extLst>
   </p:cSld>
@@ -3666,6 +3702,98 @@
           <p:cNvPr id="2" name="Title 1">
             <a:extLst>
               <a:ext uri="{FF2B5EF4-FFF2-40B4-BE49-F238E27FC236}">
+                <a16:creationId xmlns:a16="http://schemas.microsoft.com/office/drawing/2014/main" id="{BEB0827A-C669-F602-B581-D052D2F349CC}"/>
+              </a:ext>
+            </a:extLst>
+          </p:cNvPr>
+          <p:cNvSpPr>
+            <a:spLocks noGrp="1"/>
+          </p:cNvSpPr>
+          <p:nvPr>
+            <p:ph type="title"/>
+          </p:nvPr>
+        </p:nvSpPr>
+        <p:spPr/>
+        <p:txBody>
+          <a:bodyPr/>
+          <a:lstStyle/>
+          <a:p>
+            <a:r>
+              <a:rPr lang="en-US" dirty="0"/>
+              <a:t>Fletcher code</a:t>
+            </a:r>
+          </a:p>
+        </p:txBody>
+      </p:sp>
+      <p:sp>
+        <p:nvSpPr>
+          <p:cNvPr id="3" name="Content Placeholder 2">
+            <a:extLst>
+              <a:ext uri="{FF2B5EF4-FFF2-40B4-BE49-F238E27FC236}">
+                <a16:creationId xmlns:a16="http://schemas.microsoft.com/office/drawing/2014/main" id="{937A2650-3F03-713F-A4BE-CBD4BC0C553E}"/>
+              </a:ext>
+            </a:extLst>
+          </p:cNvPr>
+          <p:cNvSpPr>
+            <a:spLocks noGrp="1"/>
+          </p:cNvSpPr>
+          <p:nvPr>
+            <p:ph idx="1"/>
+          </p:nvPr>
+        </p:nvSpPr>
+        <p:spPr/>
+        <p:txBody>
+          <a:bodyPr/>
+          <a:lstStyle/>
+          <a:p>
+            <a:r>
+              <a:rPr lang="en-US" dirty="0"/>
+              <a:t>Double integral </a:t>
+            </a:r>
+          </a:p>
+          <a:p>
+            <a:r>
+              <a:rPr lang="en-US" dirty="0"/>
+              <a:t>Detects swaps and cancelling errors</a:t>
+            </a:r>
+          </a:p>
+        </p:txBody>
+      </p:sp>
+    </p:spTree>
+    <p:extLst>
+      <p:ext uri="{BB962C8B-B14F-4D97-AF65-F5344CB8AC3E}">
+        <p14:creationId xmlns:p14="http://schemas.microsoft.com/office/powerpoint/2010/main" val="4159399829"/>
+      </p:ext>
+    </p:extLst>
+  </p:cSld>
+  <p:clrMapOvr>
+    <a:masterClrMapping/>
+  </p:clrMapOvr>
+</p:sld>
+</file>
+
+<file path=ppt/slides/slide5.xml><?xml version="1.0" encoding="utf-8"?>
+<p:sld xmlns:a="http://schemas.openxmlformats.org/drawingml/2006/main" xmlns:r="http://schemas.openxmlformats.org/officeDocument/2006/relationships" xmlns:p="http://schemas.openxmlformats.org/presentationml/2006/main">
+  <p:cSld>
+    <p:spTree>
+      <p:nvGrpSpPr>
+        <p:cNvPr id="1" name=""/>
+        <p:cNvGrpSpPr/>
+        <p:nvPr/>
+      </p:nvGrpSpPr>
+      <p:grpSpPr>
+        <a:xfrm>
+          <a:off x="0" y="0"/>
+          <a:ext cx="0" cy="0"/>
+          <a:chOff x="0" y="0"/>
+          <a:chExt cx="0" cy="0"/>
+        </a:xfrm>
+      </p:grpSpPr>
+      <p:sp>
+        <p:nvSpPr>
+          <p:cNvPr id="2" name="Title 1">
+            <a:extLst>
+              <a:ext uri="{FF2B5EF4-FFF2-40B4-BE49-F238E27FC236}">
                 <a16:creationId xmlns:a16="http://schemas.microsoft.com/office/drawing/2014/main" id="{13E8AEA4-FBD8-F5F1-1AB5-29A35A52A283}"/>
               </a:ext>
             </a:extLst>
@@ -3708,7 +3836,7 @@
         <p:spPr/>
         <p:txBody>
           <a:bodyPr>
-            <a:normAutofit fontScale="62500" lnSpcReduction="20000"/>
+            <a:normAutofit fontScale="55000" lnSpcReduction="20000"/>
           </a:bodyPr>
           <a:lstStyle/>
           <a:p>
@@ -3793,6 +3921,25 @@
               <a:rPr lang="en-US" dirty="0"/>
               <a:t>() flash wrapper cache after action completion, before permitting bank use</a:t>
             </a:r>
+          </a:p>
+          <a:p>
+            <a:r>
+              <a:rPr lang="en-US" dirty="0"/>
+              <a:t>Never trust the given drivers. E.g. flash semaphore claims </a:t>
+            </a:r>
+            <a:r>
+              <a:rPr lang="en-US"/>
+              <a:t>block until </a:t>
+            </a:r>
+            <a:r>
+              <a:rPr lang="en-US" dirty="0"/>
+              <a:t>they get it, may </a:t>
+            </a:r>
+            <a:r>
+              <a:rPr lang="en-US"/>
+              <a:t>be forever</a:t>
+            </a:r>
+            <a:endParaRPr lang="en-US" dirty="0"/>
           </a:p>
           <a:p>
             <a:pPr marL="0" indent="0">
@@ -3818,7 +3965,7 @@
 </p:sld>
 </file>
 
-<file path=ppt/slides/slide5.xml><?xml version="1.0" encoding="utf-8"?>
+<file path=ppt/slides/slide6.xml><?xml version="1.0" encoding="utf-8"?>
 <p:sld xmlns:a="http://schemas.openxmlformats.org/drawingml/2006/main" xmlns:r="http://schemas.openxmlformats.org/officeDocument/2006/relationships" xmlns:p="http://schemas.openxmlformats.org/presentationml/2006/main">
   <p:cSld>
     <p:spTree>

--- a/28P650.pptx
+++ b/28P650.pptx
@@ -7,10 +7,11 @@
   <p:sldIdLst>
     <p:sldId id="256" r:id="rId2"/>
     <p:sldId id="257" r:id="rId3"/>
-    <p:sldId id="261" r:id="rId4"/>
-    <p:sldId id="258" r:id="rId5"/>
-    <p:sldId id="259" r:id="rId6"/>
-    <p:sldId id="260" r:id="rId7"/>
+    <p:sldId id="262" r:id="rId4"/>
+    <p:sldId id="261" r:id="rId5"/>
+    <p:sldId id="258" r:id="rId6"/>
+    <p:sldId id="259" r:id="rId7"/>
+    <p:sldId id="260" r:id="rId8"/>
   </p:sldIdLst>
   <p:sldSz cx="12192000" cy="6858000"/>
   <p:notesSz cx="6858000" cy="9144000"/>
@@ -264,7 +265,7 @@
           <a:p>
             <a:fld id="{F4A41FF1-7F23-44FA-B0C2-5669382EB13F}" type="datetimeFigureOut">
               <a:rPr lang="en-US" smtClean="0"/>
-              <a:t>5/11/2025</a:t>
+              <a:t>5/13/2025</a:t>
             </a:fld>
             <a:endParaRPr lang="en-US"/>
           </a:p>
@@ -462,7 +463,7 @@
           <a:p>
             <a:fld id="{F4A41FF1-7F23-44FA-B0C2-5669382EB13F}" type="datetimeFigureOut">
               <a:rPr lang="en-US" smtClean="0"/>
-              <a:t>5/11/2025</a:t>
+              <a:t>5/13/2025</a:t>
             </a:fld>
             <a:endParaRPr lang="en-US"/>
           </a:p>
@@ -670,7 +671,7 @@
           <a:p>
             <a:fld id="{F4A41FF1-7F23-44FA-B0C2-5669382EB13F}" type="datetimeFigureOut">
               <a:rPr lang="en-US" smtClean="0"/>
-              <a:t>5/11/2025</a:t>
+              <a:t>5/13/2025</a:t>
             </a:fld>
             <a:endParaRPr lang="en-US"/>
           </a:p>
@@ -868,7 +869,7 @@
           <a:p>
             <a:fld id="{F4A41FF1-7F23-44FA-B0C2-5669382EB13F}" type="datetimeFigureOut">
               <a:rPr lang="en-US" smtClean="0"/>
-              <a:t>5/11/2025</a:t>
+              <a:t>5/13/2025</a:t>
             </a:fld>
             <a:endParaRPr lang="en-US"/>
           </a:p>
@@ -1143,7 +1144,7 @@
           <a:p>
             <a:fld id="{F4A41FF1-7F23-44FA-B0C2-5669382EB13F}" type="datetimeFigureOut">
               <a:rPr lang="en-US" smtClean="0"/>
-              <a:t>5/11/2025</a:t>
+              <a:t>5/13/2025</a:t>
             </a:fld>
             <a:endParaRPr lang="en-US"/>
           </a:p>
@@ -1408,7 +1409,7 @@
           <a:p>
             <a:fld id="{F4A41FF1-7F23-44FA-B0C2-5669382EB13F}" type="datetimeFigureOut">
               <a:rPr lang="en-US" smtClean="0"/>
-              <a:t>5/11/2025</a:t>
+              <a:t>5/13/2025</a:t>
             </a:fld>
             <a:endParaRPr lang="en-US"/>
           </a:p>
@@ -1820,7 +1821,7 @@
           <a:p>
             <a:fld id="{F4A41FF1-7F23-44FA-B0C2-5669382EB13F}" type="datetimeFigureOut">
               <a:rPr lang="en-US" smtClean="0"/>
-              <a:t>5/11/2025</a:t>
+              <a:t>5/13/2025</a:t>
             </a:fld>
             <a:endParaRPr lang="en-US"/>
           </a:p>
@@ -1961,7 +1962,7 @@
           <a:p>
             <a:fld id="{F4A41FF1-7F23-44FA-B0C2-5669382EB13F}" type="datetimeFigureOut">
               <a:rPr lang="en-US" smtClean="0"/>
-              <a:t>5/11/2025</a:t>
+              <a:t>5/13/2025</a:t>
             </a:fld>
             <a:endParaRPr lang="en-US"/>
           </a:p>
@@ -2074,7 +2075,7 @@
           <a:p>
             <a:fld id="{F4A41FF1-7F23-44FA-B0C2-5669382EB13F}" type="datetimeFigureOut">
               <a:rPr lang="en-US" smtClean="0"/>
-              <a:t>5/11/2025</a:t>
+              <a:t>5/13/2025</a:t>
             </a:fld>
             <a:endParaRPr lang="en-US"/>
           </a:p>
@@ -2385,7 +2386,7 @@
           <a:p>
             <a:fld id="{F4A41FF1-7F23-44FA-B0C2-5669382EB13F}" type="datetimeFigureOut">
               <a:rPr lang="en-US" smtClean="0"/>
-              <a:t>5/11/2025</a:t>
+              <a:t>5/13/2025</a:t>
             </a:fld>
             <a:endParaRPr lang="en-US"/>
           </a:p>
@@ -2673,7 +2674,7 @@
           <a:p>
             <a:fld id="{F4A41FF1-7F23-44FA-B0C2-5669382EB13F}" type="datetimeFigureOut">
               <a:rPr lang="en-US" smtClean="0"/>
-              <a:t>5/11/2025</a:t>
+              <a:t>5/13/2025</a:t>
             </a:fld>
             <a:endParaRPr lang="en-US"/>
           </a:p>
@@ -2914,7 +2915,7 @@
           <a:p>
             <a:fld id="{F4A41FF1-7F23-44FA-B0C2-5669382EB13F}" type="datetimeFigureOut">
               <a:rPr lang="en-US" smtClean="0"/>
-              <a:t>5/11/2025</a:t>
+              <a:t>5/13/2025</a:t>
             </a:fld>
             <a:endParaRPr lang="en-US"/>
           </a:p>
@@ -3501,13 +3502,8 @@
           <a:p>
             <a:r>
               <a:rPr lang="en-US" dirty="0"/>
-              <a:t>DMA region for CLA (</a:t>
-            </a:r>
-            <a:r>
-              <a:rPr lang="en-US"/>
-              <a:t>was also in 003x) </a:t>
-            </a:r>
-            <a:endParaRPr lang="en-US" dirty="0"/>
+              <a:t>DMA region for CLA (was also in 003x) </a:t>
+            </a:r>
           </a:p>
           <a:p>
             <a:r>
@@ -3575,7 +3571,7 @@
           <p:cNvPr id="2" name="Title 1">
             <a:extLst>
               <a:ext uri="{FF2B5EF4-FFF2-40B4-BE49-F238E27FC236}">
-                <a16:creationId xmlns:a16="http://schemas.microsoft.com/office/drawing/2014/main" id="{DC2394C2-B7F0-80FD-9CC3-C8BE3D944999}"/>
+                <a16:creationId xmlns:a16="http://schemas.microsoft.com/office/drawing/2014/main" id="{4E33B4F3-2895-7DD3-00CD-86A942D0CCD8}"/>
               </a:ext>
             </a:extLst>
           </p:cNvPr>
@@ -3593,7 +3589,7 @@
           <a:p>
             <a:r>
               <a:rPr lang="en-US" dirty="0"/>
-              <a:t>Caveat </a:t>
+              <a:t>More features</a:t>
             </a:r>
           </a:p>
         </p:txBody>
@@ -3603,7 +3599,7 @@
           <p:cNvPr id="3" name="Content Placeholder 2">
             <a:extLst>
               <a:ext uri="{FF2B5EF4-FFF2-40B4-BE49-F238E27FC236}">
-                <a16:creationId xmlns:a16="http://schemas.microsoft.com/office/drawing/2014/main" id="{D60C7947-E93C-2A23-0586-8BE5A2149D67}"/>
+                <a16:creationId xmlns:a16="http://schemas.microsoft.com/office/drawing/2014/main" id="{767877DF-2538-507B-C33A-D7ABA2CA6284}"/>
               </a:ext>
             </a:extLst>
           </p:cNvPr>
@@ -3621,45 +3617,47 @@
           <a:p>
             <a:r>
               <a:rPr lang="en-US" dirty="0"/>
-              <a:t>Peripheral bases (e.g. CAN controller) changed</a:t>
+              <a:t>PWM is crazier than ever (e.g. XCMP) </a:t>
             </a:r>
           </a:p>
           <a:p>
             <a:r>
               <a:rPr lang="en-US" dirty="0"/>
-              <a:t>Tricky memory management: memories are not ordered as expected</a:t>
-            </a:r>
-          </a:p>
-          <a:p>
-            <a:r>
-              <a:rPr lang="en-US" dirty="0"/>
-              <a:t>Tricky CLA program memory </a:t>
-            </a:r>
-          </a:p>
-          <a:p>
-            <a:r>
-              <a:rPr lang="en-US" dirty="0"/>
-              <a:t>Change flash setting in .</a:t>
-            </a:r>
-            <a:r>
-              <a:rPr lang="en-US" dirty="0" err="1"/>
-              <a:t>cmd</a:t>
-            </a:r>
-            <a:r>
-              <a:rPr lang="en-US" dirty="0"/>
-              <a:t> to ALIGN(64) – They come ALIGN(8) </a:t>
-            </a:r>
-          </a:p>
-          <a:p>
-            <a:r>
-              <a:rPr lang="en-US" dirty="0"/>
-              <a:t>Re-writing line (adding zeros) without erasure will kill the flash</a:t>
-            </a:r>
-          </a:p>
-          <a:p>
-            <a:r>
-              <a:rPr lang="en-US" dirty="0"/>
-              <a:t>PREAD loops are inefficient, data within instruction (e.g. MAC) is inefficient </a:t>
+              <a:t>EPG (Embedded pattern generator) </a:t>
+            </a:r>
+          </a:p>
+          <a:p>
+            <a:r>
+              <a:rPr lang="en-US" sz="1800" b="1" i="0" u="none" strike="noStrike" baseline="0" dirty="0">
+                <a:latin typeface="Arial-BoldMT"/>
+              </a:rPr>
+              <a:t>AES (</a:t>
+            </a:r>
+            <a:r>
+              <a:rPr lang="en-US" sz="1800" b="1" i="0" u="none" strike="noStrike" baseline="0" dirty="0" err="1">
+                <a:latin typeface="Arial-BoldMT"/>
+              </a:rPr>
+              <a:t>Encription</a:t>
+            </a:r>
+            <a:r>
+              <a:rPr lang="en-US" sz="1800" b="1" i="0" u="none" strike="noStrike" baseline="0" dirty="0">
+                <a:latin typeface="Arial-BoldMT"/>
+              </a:rPr>
+              <a:t> accelerator) </a:t>
+            </a:r>
+          </a:p>
+          <a:p>
+            <a:r>
+              <a:rPr lang="en-US" sz="1800" b="1" dirty="0">
+                <a:latin typeface="Arial-BoldMT"/>
+              </a:rPr>
+              <a:t>PPB – ADC processor, automatic oversampling and zero cross finding, time stamping </a:t>
+            </a:r>
+            <a:r>
+              <a:rPr lang="en-US" sz="1800" b="1">
+                <a:latin typeface="Arial-BoldMT"/>
+              </a:rPr>
+              <a:t>actual sample</a:t>
             </a:r>
           </a:p>
           <a:p>
@@ -3670,7 +3668,7 @@
     </p:spTree>
     <p:extLst>
       <p:ext uri="{BB962C8B-B14F-4D97-AF65-F5344CB8AC3E}">
-        <p14:creationId xmlns:p14="http://schemas.microsoft.com/office/powerpoint/2010/main" val="1699889664"/>
+        <p14:creationId xmlns:p14="http://schemas.microsoft.com/office/powerpoint/2010/main" val="1901138754"/>
       </p:ext>
     </p:extLst>
   </p:cSld>
@@ -3702,7 +3700,7 @@
           <p:cNvPr id="2" name="Title 1">
             <a:extLst>
               <a:ext uri="{FF2B5EF4-FFF2-40B4-BE49-F238E27FC236}">
-                <a16:creationId xmlns:a16="http://schemas.microsoft.com/office/drawing/2014/main" id="{BEB0827A-C669-F602-B581-D052D2F349CC}"/>
+                <a16:creationId xmlns:a16="http://schemas.microsoft.com/office/drawing/2014/main" id="{DC2394C2-B7F0-80FD-9CC3-C8BE3D944999}"/>
               </a:ext>
             </a:extLst>
           </p:cNvPr>
@@ -3720,7 +3718,7 @@
           <a:p>
             <a:r>
               <a:rPr lang="en-US" dirty="0"/>
-              <a:t>Fletcher code</a:t>
+              <a:t>Caveat </a:t>
             </a:r>
           </a:p>
         </p:txBody>
@@ -3730,7 +3728,7 @@
           <p:cNvPr id="3" name="Content Placeholder 2">
             <a:extLst>
               <a:ext uri="{FF2B5EF4-FFF2-40B4-BE49-F238E27FC236}">
-                <a16:creationId xmlns:a16="http://schemas.microsoft.com/office/drawing/2014/main" id="{937A2650-3F03-713F-A4BE-CBD4BC0C553E}"/>
+                <a16:creationId xmlns:a16="http://schemas.microsoft.com/office/drawing/2014/main" id="{D60C7947-E93C-2A23-0586-8BE5A2149D67}"/>
               </a:ext>
             </a:extLst>
           </p:cNvPr>
@@ -3743,26 +3741,74 @@
         </p:nvSpPr>
         <p:spPr/>
         <p:txBody>
-          <a:bodyPr/>
+          <a:bodyPr>
+            <a:normAutofit lnSpcReduction="10000"/>
+          </a:bodyPr>
           <a:lstStyle/>
           <a:p>
             <a:r>
               <a:rPr lang="en-US" dirty="0"/>
-              <a:t>Double integral </a:t>
+              <a:t>Peripheral bases (e.g. CAN controller) changed</a:t>
             </a:r>
           </a:p>
           <a:p>
             <a:r>
               <a:rPr lang="en-US" dirty="0"/>
-              <a:t>Detects swaps and cancelling errors</a:t>
-            </a:r>
+              <a:t>Peripheral bases need bee considered, E.g. there is PWM crossbar A and B. Also names changes E.g. Crossbar trips </a:t>
+            </a:r>
+            <a:r>
+              <a:rPr lang="en-US"/>
+              <a:t>changed names to OUTS</a:t>
+            </a:r>
+            <a:endParaRPr lang="en-US" dirty="0"/>
+          </a:p>
+          <a:p>
+            <a:r>
+              <a:rPr lang="en-US" dirty="0"/>
+              <a:t>Tricky memory management: memories are not ordered as expected</a:t>
+            </a:r>
+          </a:p>
+          <a:p>
+            <a:r>
+              <a:rPr lang="en-US" dirty="0"/>
+              <a:t>Tricky CLA program memory </a:t>
+            </a:r>
+          </a:p>
+          <a:p>
+            <a:r>
+              <a:rPr lang="en-US" dirty="0"/>
+              <a:t>Change flash setting in .</a:t>
+            </a:r>
+            <a:r>
+              <a:rPr lang="en-US" dirty="0" err="1"/>
+              <a:t>cmd</a:t>
+            </a:r>
+            <a:r>
+              <a:rPr lang="en-US" dirty="0"/>
+              <a:t> to ALIGN(64) – They come ALIGN(8) </a:t>
+            </a:r>
+          </a:p>
+          <a:p>
+            <a:r>
+              <a:rPr lang="en-US" dirty="0"/>
+              <a:t>Re-writing line (adding zeros) without erasure will kill the flash</a:t>
+            </a:r>
+          </a:p>
+          <a:p>
+            <a:r>
+              <a:rPr lang="en-US" dirty="0"/>
+              <a:t>PREAD loops are inefficient, data within instruction (e.g. MAC) is inefficient </a:t>
+            </a:r>
+          </a:p>
+          <a:p>
+            <a:endParaRPr lang="en-US" dirty="0"/>
           </a:p>
         </p:txBody>
       </p:sp>
     </p:spTree>
     <p:extLst>
       <p:ext uri="{BB962C8B-B14F-4D97-AF65-F5344CB8AC3E}">
-        <p14:creationId xmlns:p14="http://schemas.microsoft.com/office/powerpoint/2010/main" val="4159399829"/>
+        <p14:creationId xmlns:p14="http://schemas.microsoft.com/office/powerpoint/2010/main" val="1699889664"/>
       </p:ext>
     </p:extLst>
   </p:cSld>
@@ -3794,6 +3840,98 @@
           <p:cNvPr id="2" name="Title 1">
             <a:extLst>
               <a:ext uri="{FF2B5EF4-FFF2-40B4-BE49-F238E27FC236}">
+                <a16:creationId xmlns:a16="http://schemas.microsoft.com/office/drawing/2014/main" id="{BEB0827A-C669-F602-B581-D052D2F349CC}"/>
+              </a:ext>
+            </a:extLst>
+          </p:cNvPr>
+          <p:cNvSpPr>
+            <a:spLocks noGrp="1"/>
+          </p:cNvSpPr>
+          <p:nvPr>
+            <p:ph type="title"/>
+          </p:nvPr>
+        </p:nvSpPr>
+        <p:spPr/>
+        <p:txBody>
+          <a:bodyPr/>
+          <a:lstStyle/>
+          <a:p>
+            <a:r>
+              <a:rPr lang="en-US" dirty="0"/>
+              <a:t>Fletcher code</a:t>
+            </a:r>
+          </a:p>
+        </p:txBody>
+      </p:sp>
+      <p:sp>
+        <p:nvSpPr>
+          <p:cNvPr id="3" name="Content Placeholder 2">
+            <a:extLst>
+              <a:ext uri="{FF2B5EF4-FFF2-40B4-BE49-F238E27FC236}">
+                <a16:creationId xmlns:a16="http://schemas.microsoft.com/office/drawing/2014/main" id="{937A2650-3F03-713F-A4BE-CBD4BC0C553E}"/>
+              </a:ext>
+            </a:extLst>
+          </p:cNvPr>
+          <p:cNvSpPr>
+            <a:spLocks noGrp="1"/>
+          </p:cNvSpPr>
+          <p:nvPr>
+            <p:ph idx="1"/>
+          </p:nvPr>
+        </p:nvSpPr>
+        <p:spPr/>
+        <p:txBody>
+          <a:bodyPr/>
+          <a:lstStyle/>
+          <a:p>
+            <a:r>
+              <a:rPr lang="en-US" dirty="0"/>
+              <a:t>Double integral </a:t>
+            </a:r>
+          </a:p>
+          <a:p>
+            <a:r>
+              <a:rPr lang="en-US" dirty="0"/>
+              <a:t>Detects swaps and cancelling errors</a:t>
+            </a:r>
+          </a:p>
+        </p:txBody>
+      </p:sp>
+    </p:spTree>
+    <p:extLst>
+      <p:ext uri="{BB962C8B-B14F-4D97-AF65-F5344CB8AC3E}">
+        <p14:creationId xmlns:p14="http://schemas.microsoft.com/office/powerpoint/2010/main" val="4159399829"/>
+      </p:ext>
+    </p:extLst>
+  </p:cSld>
+  <p:clrMapOvr>
+    <a:masterClrMapping/>
+  </p:clrMapOvr>
+</p:sld>
+</file>
+
+<file path=ppt/slides/slide6.xml><?xml version="1.0" encoding="utf-8"?>
+<p:sld xmlns:a="http://schemas.openxmlformats.org/drawingml/2006/main" xmlns:r="http://schemas.openxmlformats.org/officeDocument/2006/relationships" xmlns:p="http://schemas.openxmlformats.org/presentationml/2006/main">
+  <p:cSld>
+    <p:spTree>
+      <p:nvGrpSpPr>
+        <p:cNvPr id="1" name=""/>
+        <p:cNvGrpSpPr/>
+        <p:nvPr/>
+      </p:nvGrpSpPr>
+      <p:grpSpPr>
+        <a:xfrm>
+          <a:off x="0" y="0"/>
+          <a:ext cx="0" cy="0"/>
+          <a:chOff x="0" y="0"/>
+          <a:chExt cx="0" cy="0"/>
+        </a:xfrm>
+      </p:grpSpPr>
+      <p:sp>
+        <p:nvSpPr>
+          <p:cNvPr id="2" name="Title 1">
+            <a:extLst>
+              <a:ext uri="{FF2B5EF4-FFF2-40B4-BE49-F238E27FC236}">
                 <a16:creationId xmlns:a16="http://schemas.microsoft.com/office/drawing/2014/main" id="{13E8AEA4-FBD8-F5F1-1AB5-29A35A52A283}"/>
               </a:ext>
             </a:extLst>
@@ -3965,7 +4103,7 @@
 </p:sld>
 </file>
 
-<file path=ppt/slides/slide6.xml><?xml version="1.0" encoding="utf-8"?>
+<file path=ppt/slides/slide7.xml><?xml version="1.0" encoding="utf-8"?>
 <p:sld xmlns:a="http://schemas.openxmlformats.org/drawingml/2006/main" xmlns:r="http://schemas.openxmlformats.org/officeDocument/2006/relationships" xmlns:p="http://schemas.openxmlformats.org/presentationml/2006/main">
   <p:cSld>
     <p:spTree>

--- a/28P650.pptx
+++ b/28P650.pptx
@@ -265,7 +265,7 @@
           <a:p>
             <a:fld id="{F4A41FF1-7F23-44FA-B0C2-5669382EB13F}" type="datetimeFigureOut">
               <a:rPr lang="en-US" smtClean="0"/>
-              <a:t>5/13/2025</a:t>
+              <a:t>6/4/2025</a:t>
             </a:fld>
             <a:endParaRPr lang="en-US"/>
           </a:p>
@@ -463,7 +463,7 @@
           <a:p>
             <a:fld id="{F4A41FF1-7F23-44FA-B0C2-5669382EB13F}" type="datetimeFigureOut">
               <a:rPr lang="en-US" smtClean="0"/>
-              <a:t>5/13/2025</a:t>
+              <a:t>6/4/2025</a:t>
             </a:fld>
             <a:endParaRPr lang="en-US"/>
           </a:p>
@@ -671,7 +671,7 @@
           <a:p>
             <a:fld id="{F4A41FF1-7F23-44FA-B0C2-5669382EB13F}" type="datetimeFigureOut">
               <a:rPr lang="en-US" smtClean="0"/>
-              <a:t>5/13/2025</a:t>
+              <a:t>6/4/2025</a:t>
             </a:fld>
             <a:endParaRPr lang="en-US"/>
           </a:p>
@@ -869,7 +869,7 @@
           <a:p>
             <a:fld id="{F4A41FF1-7F23-44FA-B0C2-5669382EB13F}" type="datetimeFigureOut">
               <a:rPr lang="en-US" smtClean="0"/>
-              <a:t>5/13/2025</a:t>
+              <a:t>6/4/2025</a:t>
             </a:fld>
             <a:endParaRPr lang="en-US"/>
           </a:p>
@@ -1144,7 +1144,7 @@
           <a:p>
             <a:fld id="{F4A41FF1-7F23-44FA-B0C2-5669382EB13F}" type="datetimeFigureOut">
               <a:rPr lang="en-US" smtClean="0"/>
-              <a:t>5/13/2025</a:t>
+              <a:t>6/4/2025</a:t>
             </a:fld>
             <a:endParaRPr lang="en-US"/>
           </a:p>
@@ -1409,7 +1409,7 @@
           <a:p>
             <a:fld id="{F4A41FF1-7F23-44FA-B0C2-5669382EB13F}" type="datetimeFigureOut">
               <a:rPr lang="en-US" smtClean="0"/>
-              <a:t>5/13/2025</a:t>
+              <a:t>6/4/2025</a:t>
             </a:fld>
             <a:endParaRPr lang="en-US"/>
           </a:p>
@@ -1821,7 +1821,7 @@
           <a:p>
             <a:fld id="{F4A41FF1-7F23-44FA-B0C2-5669382EB13F}" type="datetimeFigureOut">
               <a:rPr lang="en-US" smtClean="0"/>
-              <a:t>5/13/2025</a:t>
+              <a:t>6/4/2025</a:t>
             </a:fld>
             <a:endParaRPr lang="en-US"/>
           </a:p>
@@ -1962,7 +1962,7 @@
           <a:p>
             <a:fld id="{F4A41FF1-7F23-44FA-B0C2-5669382EB13F}" type="datetimeFigureOut">
               <a:rPr lang="en-US" smtClean="0"/>
-              <a:t>5/13/2025</a:t>
+              <a:t>6/4/2025</a:t>
             </a:fld>
             <a:endParaRPr lang="en-US"/>
           </a:p>
@@ -2075,7 +2075,7 @@
           <a:p>
             <a:fld id="{F4A41FF1-7F23-44FA-B0C2-5669382EB13F}" type="datetimeFigureOut">
               <a:rPr lang="en-US" smtClean="0"/>
-              <a:t>5/13/2025</a:t>
+              <a:t>6/4/2025</a:t>
             </a:fld>
             <a:endParaRPr lang="en-US"/>
           </a:p>
@@ -2386,7 +2386,7 @@
           <a:p>
             <a:fld id="{F4A41FF1-7F23-44FA-B0C2-5669382EB13F}" type="datetimeFigureOut">
               <a:rPr lang="en-US" smtClean="0"/>
-              <a:t>5/13/2025</a:t>
+              <a:t>6/4/2025</a:t>
             </a:fld>
             <a:endParaRPr lang="en-US"/>
           </a:p>
@@ -2674,7 +2674,7 @@
           <a:p>
             <a:fld id="{F4A41FF1-7F23-44FA-B0C2-5669382EB13F}" type="datetimeFigureOut">
               <a:rPr lang="en-US" smtClean="0"/>
-              <a:t>5/13/2025</a:t>
+              <a:t>6/4/2025</a:t>
             </a:fld>
             <a:endParaRPr lang="en-US"/>
           </a:p>
@@ -2915,7 +2915,7 @@
           <a:p>
             <a:fld id="{F4A41FF1-7F23-44FA-B0C2-5669382EB13F}" type="datetimeFigureOut">
               <a:rPr lang="en-US" smtClean="0"/>
-              <a:t>5/13/2025</a:t>
+              <a:t>6/4/2025</a:t>
             </a:fld>
             <a:endParaRPr lang="en-US"/>
           </a:p>
@@ -3462,7 +3462,7 @@
         <p:spPr/>
         <p:txBody>
           <a:bodyPr>
-            <a:normAutofit fontScale="92500" lnSpcReduction="20000"/>
+            <a:normAutofit fontScale="85000" lnSpcReduction="20000"/>
           </a:bodyPr>
           <a:lstStyle/>
           <a:p>
@@ -3485,6 +3485,16 @@
             <a:r>
               <a:rPr lang="en-US" dirty="0"/>
               <a:t> , MCAN built in CPU</a:t>
+            </a:r>
+          </a:p>
+          <a:p>
+            <a:r>
+              <a:rPr lang="en-US" dirty="0">
+                <a:solidFill>
+                  <a:srgbClr val="FF0000"/>
+                </a:solidFill>
+              </a:rPr>
+              <a:t>ETHERNET NOT SUPPORTED</a:t>
             </a:r>
           </a:p>
           <a:p>
@@ -3617,7 +3627,23 @@
           <a:p>
             <a:r>
               <a:rPr lang="en-US" dirty="0"/>
-              <a:t>PWM is crazier than ever (e.g. XCMP) </a:t>
+              <a:t>PWM is crazier than ever (e.g. XCMP, diode </a:t>
+            </a:r>
+            <a:r>
+              <a:rPr lang="en-US" dirty="0" err="1"/>
+              <a:t>emulation,events</a:t>
+            </a:r>
+            <a:r>
+              <a:rPr lang="en-US" dirty="0"/>
+              <a:t> T1/2 into action qualifiers. Minimum dead band assurance (ICL,</a:t>
+            </a:r>
+            <a:r>
+              <a:rPr lang="en-US"/>
+              <a:t>MINDB crossbars), </a:t>
+            </a:r>
+            <a:r>
+              <a:rPr lang="en-US" dirty="0"/>
+              <a:t>Multiple events driving SOC…) </a:t>
             </a:r>
           </a:p>
           <a:p>
@@ -3651,13 +3677,7 @@
               <a:rPr lang="en-US" sz="1800" b="1" dirty="0">
                 <a:latin typeface="Arial-BoldMT"/>
               </a:rPr>
-              <a:t>PPB – ADC processor, automatic oversampling and zero cross finding, time stamping </a:t>
-            </a:r>
-            <a:r>
-              <a:rPr lang="en-US" sz="1800" b="1">
-                <a:latin typeface="Arial-BoldMT"/>
-              </a:rPr>
-              <a:t>actual sample</a:t>
+              <a:t>PPB – ADC processor, automatic oversampling and zero cross finding, time stamping actual sample</a:t>
             </a:r>
           </a:p>
           <a:p>
@@ -3742,7 +3762,7 @@
         <p:spPr/>
         <p:txBody>
           <a:bodyPr>
-            <a:normAutofit lnSpcReduction="10000"/>
+            <a:normAutofit fontScale="92500"/>
           </a:bodyPr>
           <a:lstStyle/>
           <a:p>
@@ -3754,13 +3774,8 @@
           <a:p>
             <a:r>
               <a:rPr lang="en-US" dirty="0"/>
-              <a:t>Peripheral bases need bee considered, E.g. there is PWM crossbar A and B. Also names changes E.g. Crossbar trips </a:t>
-            </a:r>
-            <a:r>
-              <a:rPr lang="en-US"/>
-              <a:t>changed names to OUTS</a:t>
-            </a:r>
-            <a:endParaRPr lang="en-US" dirty="0"/>
+              <a:t>Peripheral bases need bee considered, E.g. there is PWM crossbar A and B. Also names changes E.g. Crossbar trips changed names to OUTS</a:t>
+            </a:r>
           </a:p>
           <a:p>
             <a:r>
@@ -3798,6 +3813,12 @@
             <a:r>
               <a:rPr lang="en-US" dirty="0"/>
               <a:t>PREAD loops are inefficient, data within instruction (e.g. MAC) is inefficient </a:t>
+            </a:r>
+          </a:p>
+          <a:p>
+            <a:r>
+              <a:rPr lang="en-US" dirty="0"/>
+              <a:t>NMI of CPU1 in response to CPU2 event (watchdog)</a:t>
             </a:r>
           </a:p>
           <a:p>
